--- a/Spilios_Dellis_Final_Project_Presentation.pptx
+++ b/Spilios_Dellis_Final_Project_Presentation.pptx
@@ -9404,52 +9404,6 @@
           </a:p>
         </p:txBody>
       </p:sp>
-      <p:pic>
-        <p:nvPicPr>
-          <p:cNvPr id="107" name="Picture 106"/>
-          <p:cNvPicPr/>
-          <p:nvPr/>
-        </p:nvPicPr>
-        <p:blipFill>
-          <a:blip r:embed="rId2"/>
-          <a:stretch/>
-        </p:blipFill>
-        <p:spPr>
-          <a:xfrm>
-            <a:off x="1460204" y="3393557"/>
-            <a:ext cx="4476240" cy="2009520"/>
-          </a:xfrm>
-          <a:prstGeom prst="rect">
-            <a:avLst/>
-          </a:prstGeom>
-          <a:ln w="0">
-            <a:noFill/>
-          </a:ln>
-        </p:spPr>
-      </p:pic>
-      <p:pic>
-        <p:nvPicPr>
-          <p:cNvPr id="108" name="Picture 107"/>
-          <p:cNvPicPr/>
-          <p:nvPr/>
-        </p:nvPicPr>
-        <p:blipFill>
-          <a:blip r:embed="rId3"/>
-          <a:stretch/>
-        </p:blipFill>
-        <p:spPr>
-          <a:xfrm>
-            <a:off x="6508897" y="3393558"/>
-            <a:ext cx="4362120" cy="2037960"/>
-          </a:xfrm>
-          <a:prstGeom prst="rect">
-            <a:avLst/>
-          </a:prstGeom>
-          <a:ln w="0">
-            <a:noFill/>
-          </a:ln>
-        </p:spPr>
-      </p:pic>
       <p:sp>
         <p:nvSpPr>
           <p:cNvPr id="109" name="TextBox 9"/>
@@ -9611,12 +9565,73 @@
           <a:lstStyle/>
           <a:p>
             <a:fld id="{47062582-8E04-4157-83D6-1521A56163DD}" type="slidenum">
+              <a:rPr/>
               <a:t>8</a:t>
             </a:fld>
             <a:endParaRPr/>
           </a:p>
         </p:txBody>
       </p:sp>
+      <p:pic>
+        <p:nvPicPr>
+          <p:cNvPr id="5" name="Picture 4">
+            <a:extLst>
+              <a:ext uri="{FF2B5EF4-FFF2-40B4-BE49-F238E27FC236}">
+                <a16:creationId xmlns:a16="http://schemas.microsoft.com/office/drawing/2014/main" id="{1EA33817-B7CA-7772-60F4-220D28CA83E9}"/>
+              </a:ext>
+            </a:extLst>
+          </p:cNvPr>
+          <p:cNvPicPr>
+            <a:picLocks noChangeAspect="1"/>
+          </p:cNvPicPr>
+          <p:nvPr/>
+        </p:nvPicPr>
+        <p:blipFill>
+          <a:blip r:embed="rId2"/>
+          <a:stretch>
+            <a:fillRect/>
+          </a:stretch>
+        </p:blipFill>
+        <p:spPr>
+          <a:xfrm>
+            <a:off x="1320983" y="3393558"/>
+            <a:ext cx="4514850" cy="1847850"/>
+          </a:xfrm>
+          <a:prstGeom prst="rect">
+            <a:avLst/>
+          </a:prstGeom>
+        </p:spPr>
+      </p:pic>
+      <p:pic>
+        <p:nvPicPr>
+          <p:cNvPr id="7" name="Picture 6">
+            <a:extLst>
+              <a:ext uri="{FF2B5EF4-FFF2-40B4-BE49-F238E27FC236}">
+                <a16:creationId xmlns:a16="http://schemas.microsoft.com/office/drawing/2014/main" id="{E74228AA-94BA-157B-61A1-F3314842C0F1}"/>
+              </a:ext>
+            </a:extLst>
+          </p:cNvPr>
+          <p:cNvPicPr>
+            <a:picLocks noChangeAspect="1"/>
+          </p:cNvPicPr>
+          <p:nvPr/>
+        </p:nvPicPr>
+        <p:blipFill>
+          <a:blip r:embed="rId3"/>
+          <a:stretch>
+            <a:fillRect/>
+          </a:stretch>
+        </p:blipFill>
+        <p:spPr>
+          <a:xfrm>
+            <a:off x="6356169" y="3393558"/>
+            <a:ext cx="4248150" cy="1905000"/>
+          </a:xfrm>
+          <a:prstGeom prst="rect">
+            <a:avLst/>
+          </a:prstGeom>
+        </p:spPr>
+      </p:pic>
     </p:spTree>
   </p:cSld>
   <p:clrMapOvr>
